--- a/Heart Failure Detection.pptx
+++ b/Heart Failure Detection.pptx
@@ -142,14 +142,6 @@
     </p:ext>
   </p:extLst>
 </p:presentation>
-</file>
-
-<file path=ppt/revisionInfo.xml><?xml version="1.0" encoding="utf-8"?>
-<p1510:revInfo xmlns:a="http://schemas.openxmlformats.org/drawingml/2006/main" xmlns:r="http://schemas.openxmlformats.org/officeDocument/2006/relationships" xmlns:p1510="http://schemas.microsoft.com/office/powerpoint/2015/10/main">
-  <p1510:revLst>
-    <p1510:client id="{20E67E25-A074-4412-AC6C-233FDE51C7E4}" v="5" dt="2021-05-29T17:03:18.022"/>
-  </p1510:revLst>
-</p1510:revInfo>
 </file>
 
 <file path=ppt/changesInfos/changesInfo1.xml><?xml version="1.0" encoding="utf-8"?>
@@ -953,6 +945,30 @@
       </pc:sldChg>
     </pc:docChg>
   </pc:docChgLst>
+  <pc:docChgLst>
+    <pc:chgData name="Gabriel Allen" userId="c7c74c84cd207ce6" providerId="LiveId" clId="{F24C963A-5B38-4EEE-ABC3-C68EDB098289}"/>
+    <pc:docChg chg="modSld">
+      <pc:chgData name="Gabriel Allen" userId="c7c74c84cd207ce6" providerId="LiveId" clId="{F24C963A-5B38-4EEE-ABC3-C68EDB098289}" dt="2021-06-30T16:45:01.185" v="3" actId="20577"/>
+      <pc:docMkLst>
+        <pc:docMk/>
+      </pc:docMkLst>
+      <pc:sldChg chg="modSp mod">
+        <pc:chgData name="Gabriel Allen" userId="c7c74c84cd207ce6" providerId="LiveId" clId="{F24C963A-5B38-4EEE-ABC3-C68EDB098289}" dt="2021-06-30T16:45:01.185" v="3" actId="20577"/>
+        <pc:sldMkLst>
+          <pc:docMk/>
+          <pc:sldMk cId="1597808406" sldId="259"/>
+        </pc:sldMkLst>
+        <pc:spChg chg="mod">
+          <ac:chgData name="Gabriel Allen" userId="c7c74c84cd207ce6" providerId="LiveId" clId="{F24C963A-5B38-4EEE-ABC3-C68EDB098289}" dt="2021-06-30T16:45:01.185" v="3" actId="20577"/>
+          <ac:spMkLst>
+            <pc:docMk/>
+            <pc:sldMk cId="1597808406" sldId="259"/>
+            <ac:spMk id="3" creationId="{A391C1E5-FFE4-4CCE-953A-00110E106FAE}"/>
+          </ac:spMkLst>
+        </pc:spChg>
+      </pc:sldChg>
+    </pc:docChg>
+  </pc:docChgLst>
 </pc:chgInfo>
 </file>
 
@@ -1038,7 +1054,7 @@
           <a:p>
             <a:fld id="{043B725B-653D-4166-A8E9-72A38A1847CF}" type="datetimeFigureOut">
               <a:rPr lang="en-US"/>
-              <a:t>5/30/2021</a:t>
+              <a:t>6/30/2021</a:t>
             </a:fld>
             <a:endParaRPr/>
           </a:p>
@@ -1203,7 +1219,7 @@
           <a:p>
             <a:fld id="{783F64CD-0576-4A9A-BD06-7889D6E60BDC}" type="datetimeFigureOut">
               <a:rPr lang="en-US"/>
-              <a:t>5/30/2021</a:t>
+              <a:t>6/30/2021</a:t>
             </a:fld>
             <a:endParaRPr/>
           </a:p>
@@ -1801,7 +1817,7 @@
           <a:p>
             <a:fld id="{37CC0096-1860-4642-9CD2-0079EA5E7CD1}" type="datetimeFigureOut">
               <a:rPr lang="en-US"/>
-              <a:t>5/30/2021</a:t>
+              <a:t>6/30/2021</a:t>
             </a:fld>
             <a:endParaRPr/>
           </a:p>
@@ -2050,7 +2066,7 @@
           <a:p>
             <a:fld id="{37CC0096-1860-4642-9CD2-0079EA5E7CD1}" type="datetimeFigureOut">
               <a:rPr lang="en-US"/>
-              <a:t>5/30/2021</a:t>
+              <a:t>6/30/2021</a:t>
             </a:fld>
             <a:endParaRPr/>
           </a:p>
@@ -2236,7 +2252,7 @@
           <a:p>
             <a:fld id="{37CC0096-1860-4642-9CD2-0079EA5E7CD1}" type="datetimeFigureOut">
               <a:rPr lang="en-US"/>
-              <a:t>5/30/2021</a:t>
+              <a:t>6/30/2021</a:t>
             </a:fld>
             <a:endParaRPr/>
           </a:p>
@@ -2767,7 +2783,7 @@
           <a:p>
             <a:fld id="{37CC0096-1860-4642-9CD2-0079EA5E7CD1}" type="datetimeFigureOut">
               <a:rPr lang="en-US"/>
-              <a:t>5/30/2021</a:t>
+              <a:t>6/30/2021</a:t>
             </a:fld>
             <a:endParaRPr/>
           </a:p>
@@ -3219,7 +3235,7 @@
           <a:p>
             <a:fld id="{37CC0096-1860-4642-9CD2-0079EA5E7CD1}" type="datetimeFigureOut">
               <a:rPr lang="en-US"/>
-              <a:t>5/30/2021</a:t>
+              <a:t>6/30/2021</a:t>
             </a:fld>
             <a:endParaRPr/>
           </a:p>
@@ -3349,7 +3365,7 @@
           <a:p>
             <a:fld id="{37CC0096-1860-4642-9CD2-0079EA5E7CD1}" type="datetimeFigureOut">
               <a:rPr lang="en-US"/>
-              <a:t>5/30/2021</a:t>
+              <a:t>6/30/2021</a:t>
             </a:fld>
             <a:endParaRPr/>
           </a:p>
@@ -3456,7 +3472,7 @@
           <a:p>
             <a:fld id="{37CC0096-1860-4642-9CD2-0079EA5E7CD1}" type="datetimeFigureOut">
               <a:rPr lang="en-US"/>
-              <a:t>5/30/2021</a:t>
+              <a:t>6/30/2021</a:t>
             </a:fld>
             <a:endParaRPr/>
           </a:p>
@@ -4445,7 +4461,7 @@
             <a:fld id="{37CC0096-1860-4642-9CD2-0079EA5E7CD1}" type="datetimeFigureOut">
               <a:rPr lang="en-US" smtClean="0"/>
               <a:pPr/>
-              <a:t>5/30/2021</a:t>
+              <a:t>6/30/2021</a:t>
             </a:fld>
             <a:endParaRPr lang="en-US" dirty="0"/>
           </a:p>
@@ -8067,7 +8083,7 @@
                 </a:solidFill>
                 <a:latin typeface="Arial Nova" panose="020B0604020202020204" pitchFamily="34" charset="0"/>
               </a:rPr>
-              <a:t>Creatine Phosphokinase</a:t>
+              <a:t>Creatinine Phosphokinase</a:t>
             </a:r>
             <a:r>
               <a:rPr lang="en-US" sz="1400" dirty="0">
@@ -8188,14 +8204,24 @@
           <a:p>
             <a:pPr lvl="1"/>
             <a:r>
-              <a:rPr lang="en-US" sz="1400" b="1" i="0" dirty="0">
+              <a:rPr lang="en-US" sz="1400" b="1" i="0">
                 <a:solidFill>
                   <a:schemeClr val="tx1"/>
                 </a:solidFill>
                 <a:effectLst/>
                 <a:latin typeface="Arial Nova" panose="020B0604020202020204" pitchFamily="34" charset="0"/>
               </a:rPr>
-              <a:t>Serum Creatine</a:t>
+              <a:t>Serum Creatinine</a:t>
+            </a:r>
+            <a:r>
+              <a:rPr lang="en-US" sz="1400" i="0">
+                <a:solidFill>
+                  <a:schemeClr val="tx1"/>
+                </a:solidFill>
+                <a:effectLst/>
+                <a:latin typeface="Arial Nova" panose="020B0604020202020204" pitchFamily="34" charset="0"/>
+              </a:rPr>
+              <a:t> </a:t>
             </a:r>
             <a:r>
               <a:rPr lang="en-US" sz="1400" i="0" dirty="0">
@@ -8205,7 +8231,7 @@
                 <a:effectLst/>
                 <a:latin typeface="Arial Nova" panose="020B0604020202020204" pitchFamily="34" charset="0"/>
               </a:rPr>
-              <a:t> - Level of serum creatinine in the blood (mg/dL)</a:t>
+              <a:t>- Level of serum creatinine in the blood (mg/dL)</a:t>
             </a:r>
           </a:p>
           <a:p>
